--- a/students/k3241/Suleymanov_Ruslan/LR_1/Лабораторная работа номер 1, команда 17.pptx
+++ b/students/k3241/Suleymanov_Ruslan/LR_1/Лабораторная работа номер 1, команда 17.pptx
@@ -278,7 +278,7 @@
       <p15:sldGuideLst xmlns:p15="http://schemas.microsoft.com/office/powerpoint/2012/main"/>
     </p:ext>
     <p:ext uri="http://customooxmlschemas.google.com/">
-      <go:slidesCustomData xmlns:go="http://customooxmlschemas.google.com/" xmlns:p15="http://schemas.microsoft.com/office/powerpoint/2012/main" xmlns:p14="http://schemas.microsoft.com/office/powerpoint/2010/main" xmlns:com="http://schemas.openxmlformats.org/drawingml/2006/compatibility" xmlns:pvml="urn:schemas-microsoft-com:office:powerpoint" xmlns:v="urn:schemas-microsoft-com:vml" xmlns:o="urn:schemas-microsoft-com:office:office" xmlns:dgm="http://schemas.openxmlformats.org/drawingml/2006/diagram" xmlns:c="http://schemas.openxmlformats.org/drawingml/2006/chart" xmlns:mv="urn:schemas-microsoft-com:mac:vml" xmlns:mc="http://schemas.openxmlformats.org/markup-compatibility/2006" xmlns="" r:id="rId20" roundtripDataSignature="AMtx7mhimFnF7R6Yus1iS/xiI86D2jr4Aw=="/>
+      <go:slidesCustomData xmlns="" xmlns:mc="http://schemas.openxmlformats.org/markup-compatibility/2006" xmlns:mv="urn:schemas-microsoft-com:mac:vml" xmlns:c="http://schemas.openxmlformats.org/drawingml/2006/chart" xmlns:dgm="http://schemas.openxmlformats.org/drawingml/2006/diagram" xmlns:o="urn:schemas-microsoft-com:office:office" xmlns:v="urn:schemas-microsoft-com:vml" xmlns:pvml="urn:schemas-microsoft-com:office:powerpoint" xmlns:com="http://schemas.openxmlformats.org/drawingml/2006/compatibility" xmlns:p14="http://schemas.microsoft.com/office/powerpoint/2010/main" xmlns:p15="http://schemas.microsoft.com/office/powerpoint/2012/main" xmlns:go="http://customooxmlschemas.google.com/" r:id="rId20" roundtripDataSignature="AMtx7mhimFnF7R6Yus1iS/xiI86D2jr4Aw=="/>
     </p:ext>
   </p:extLst>
 </p:presentation>
@@ -29022,10 +29022,10 @@
       </p:sp>
       <p:pic>
         <p:nvPicPr>
-          <p:cNvPr id="1034" name="Picture 10">
+          <p:cNvPr id="1026" name="Picture 2">
             <a:extLst>
               <a:ext uri="{FF2B5EF4-FFF2-40B4-BE49-F238E27FC236}">
-                <a16:creationId xmlns:a16="http://schemas.microsoft.com/office/drawing/2014/main" id="{DA535A58-21D3-4792-BFA1-4C62101E880E}"/>
+                <a16:creationId xmlns:a16="http://schemas.microsoft.com/office/drawing/2014/main" id="{54628EBF-A90A-4710-90EA-A0E0353D2CC0}"/>
               </a:ext>
             </a:extLst>
           </p:cNvPr>
@@ -29049,8 +29049,8 @@
         </p:blipFill>
         <p:spPr bwMode="auto">
           <a:xfrm>
-            <a:off x="1198171" y="1084168"/>
-            <a:ext cx="9795658" cy="5412960"/>
+            <a:off x="1145220" y="1076617"/>
+            <a:ext cx="10120543" cy="5616859"/>
           </a:xfrm>
           <a:prstGeom prst="rect">
             <a:avLst/>
